--- a/Comply with IP,ethics & privacy policies in ICT environments/Week 5 & 6/POWERPOINT- Creating a Code of Ethicsv2 highlited.pptx
+++ b/Comply with IP,ethics & privacy policies in ICT environments/Week 5 & 6/POWERPOINT- Creating a Code of Ethicsv2 highlited.pptx
@@ -215,7 +215,7 @@
           <a:p>
             <a:fld id="{054C668D-7A7E-4C8F-AFC6-D5ED4B5B81E5}" type="datetimeFigureOut">
               <a:rPr lang="en-US" smtClean="0"/>
-              <a:t>3/9/2022</a:t>
+              <a:t>3/17/2022</a:t>
             </a:fld>
             <a:endParaRPr lang="en-US"/>
           </a:p>
@@ -707,7 +707,7 @@
             <a:fld id="{5586B75A-687E-405C-8A0B-8D00578BA2C3}" type="datetimeFigureOut">
               <a:rPr lang="en-US" dirty="0"/>
               <a:pPr/>
-              <a:t>3/9/2022</a:t>
+              <a:t>3/17/2022</a:t>
             </a:fld>
             <a:endParaRPr lang="en-US" dirty="0"/>
           </a:p>
@@ -874,7 +874,7 @@
             <a:fld id="{5586B75A-687E-405C-8A0B-8D00578BA2C3}" type="datetimeFigureOut">
               <a:rPr lang="en-US" dirty="0"/>
               <a:pPr/>
-              <a:t>3/9/2022</a:t>
+              <a:t>3/17/2022</a:t>
             </a:fld>
             <a:endParaRPr lang="en-US" dirty="0"/>
           </a:p>
@@ -1051,7 +1051,7 @@
             <a:fld id="{5586B75A-687E-405C-8A0B-8D00578BA2C3}" type="datetimeFigureOut">
               <a:rPr lang="en-US" dirty="0"/>
               <a:pPr/>
-              <a:t>3/9/2022</a:t>
+              <a:t>3/17/2022</a:t>
             </a:fld>
             <a:endParaRPr lang="en-US" dirty="0"/>
           </a:p>
@@ -1218,7 +1218,7 @@
             <a:fld id="{5586B75A-687E-405C-8A0B-8D00578BA2C3}" type="datetimeFigureOut">
               <a:rPr lang="en-US" dirty="0"/>
               <a:pPr/>
-              <a:t>3/9/2022</a:t>
+              <a:t>3/17/2022</a:t>
             </a:fld>
             <a:endParaRPr lang="en-US" dirty="0"/>
           </a:p>
@@ -1473,7 +1473,7 @@
             <a:fld id="{5586B75A-687E-405C-8A0B-8D00578BA2C3}" type="datetimeFigureOut">
               <a:rPr lang="en-US" dirty="0"/>
               <a:pPr/>
-              <a:t>3/9/2022</a:t>
+              <a:t>3/17/2022</a:t>
             </a:fld>
             <a:endParaRPr lang="en-US" dirty="0"/>
           </a:p>
@@ -1758,7 +1758,7 @@
             <a:fld id="{5586B75A-687E-405C-8A0B-8D00578BA2C3}" type="datetimeFigureOut">
               <a:rPr lang="en-US" dirty="0"/>
               <a:pPr/>
-              <a:t>3/9/2022</a:t>
+              <a:t>3/17/2022</a:t>
             </a:fld>
             <a:endParaRPr lang="en-US" dirty="0"/>
           </a:p>
@@ -2197,7 +2197,7 @@
             <a:fld id="{5586B75A-687E-405C-8A0B-8D00578BA2C3}" type="datetimeFigureOut">
               <a:rPr lang="en-US" dirty="0"/>
               <a:pPr/>
-              <a:t>3/9/2022</a:t>
+              <a:t>3/17/2022</a:t>
             </a:fld>
             <a:endParaRPr lang="en-US" dirty="0"/>
           </a:p>
@@ -2312,7 +2312,7 @@
             <a:fld id="{5586B75A-687E-405C-8A0B-8D00578BA2C3}" type="datetimeFigureOut">
               <a:rPr lang="en-US" dirty="0"/>
               <a:pPr/>
-              <a:t>3/9/2022</a:t>
+              <a:t>3/17/2022</a:t>
             </a:fld>
             <a:endParaRPr lang="en-US" dirty="0"/>
           </a:p>
@@ -2404,7 +2404,7 @@
             <a:fld id="{5586B75A-687E-405C-8A0B-8D00578BA2C3}" type="datetimeFigureOut">
               <a:rPr lang="en-US" dirty="0"/>
               <a:pPr/>
-              <a:t>3/9/2022</a:t>
+              <a:t>3/17/2022</a:t>
             </a:fld>
             <a:endParaRPr lang="en-US" dirty="0"/>
           </a:p>
@@ -2689,7 +2689,7 @@
             <a:fld id="{5586B75A-687E-405C-8A0B-8D00578BA2C3}" type="datetimeFigureOut">
               <a:rPr lang="en-US" dirty="0"/>
               <a:pPr/>
-              <a:t>3/9/2022</a:t>
+              <a:t>3/17/2022</a:t>
             </a:fld>
             <a:endParaRPr lang="en-US" dirty="0"/>
           </a:p>
@@ -2959,7 +2959,7 @@
             <a:fld id="{5586B75A-687E-405C-8A0B-8D00578BA2C3}" type="datetimeFigureOut">
               <a:rPr lang="en-US" dirty="0"/>
               <a:pPr/>
-              <a:t>3/9/2022</a:t>
+              <a:t>3/17/2022</a:t>
             </a:fld>
             <a:endParaRPr lang="en-US" dirty="0"/>
           </a:p>
@@ -3253,7 +3253,7 @@
             <a:fld id="{5586B75A-687E-405C-8A0B-8D00578BA2C3}" type="datetimeFigureOut">
               <a:rPr lang="en-US" dirty="0"/>
               <a:pPr/>
-              <a:t>3/9/2022</a:t>
+              <a:t>3/17/2022</a:t>
             </a:fld>
             <a:endParaRPr lang="en-US" dirty="0"/>
           </a:p>
@@ -8994,7 +8994,11 @@
               <a:buChar char="•"/>
             </a:pPr>
             <a:r>
-              <a:rPr lang="en-AU" sz="2800" b="1" dirty="0"/>
+              <a:rPr lang="en-AU" sz="2800" b="1" dirty="0">
+                <a:highlight>
+                  <a:srgbClr val="0000FF"/>
+                </a:highlight>
+              </a:rPr>
               <a:t>Diversity and inclusion</a:t>
             </a:r>
           </a:p>
@@ -9004,7 +9008,11 @@
               <a:buChar char="•"/>
             </a:pPr>
             <a:r>
-              <a:rPr lang="en-AU" sz="2800" b="1" dirty="0"/>
+              <a:rPr lang="en-AU" sz="2800" b="1" dirty="0">
+                <a:highlight>
+                  <a:srgbClr val="0000FF"/>
+                </a:highlight>
+              </a:rPr>
               <a:t>Professional Development</a:t>
             </a:r>
           </a:p>
@@ -9026,7 +9034,7 @@
             <a:r>
               <a:rPr lang="en-AU" sz="2800" b="1" dirty="0">
                 <a:highlight>
-                  <a:srgbClr val="FFFF00"/>
+                  <a:srgbClr val="0000FF"/>
                 </a:highlight>
               </a:rPr>
               <a:t>Health and Safety</a:t>
@@ -9038,11 +9046,7 @@
               <a:buChar char="•"/>
             </a:pPr>
             <a:r>
-              <a:rPr lang="en-AU" sz="2800" b="1" dirty="0">
-                <a:highlight>
-                  <a:srgbClr val="FFFF00"/>
-                </a:highlight>
-              </a:rPr>
+              <a:rPr lang="en-AU" sz="2800" b="1" dirty="0"/>
               <a:t>Sustainability</a:t>
             </a:r>
           </a:p>
@@ -9052,11 +9056,7 @@
               <a:buChar char="•"/>
             </a:pPr>
             <a:r>
-              <a:rPr lang="en-AU" sz="2800" b="1" dirty="0">
-                <a:highlight>
-                  <a:srgbClr val="FFFF00"/>
-                </a:highlight>
-              </a:rPr>
+              <a:rPr lang="en-AU" sz="2800" b="1" dirty="0"/>
               <a:t>Quality &amp;or Quantity (workplace and product)</a:t>
             </a:r>
           </a:p>
@@ -9076,7 +9076,11 @@
               <a:buChar char="•"/>
             </a:pPr>
             <a:r>
-              <a:rPr lang="en-AU" sz="2800" b="1" dirty="0"/>
+              <a:rPr lang="en-AU" sz="2800" b="1" dirty="0">
+                <a:highlight>
+                  <a:srgbClr val="0000FF"/>
+                </a:highlight>
+              </a:rPr>
               <a:t>Honesty</a:t>
             </a:r>
           </a:p>
@@ -9086,7 +9090,11 @@
               <a:buChar char="•"/>
             </a:pPr>
             <a:r>
-              <a:rPr lang="en-AU" sz="2800" b="1" dirty="0"/>
+              <a:rPr lang="en-AU" sz="2800" b="1" dirty="0">
+                <a:highlight>
+                  <a:srgbClr val="0000FF"/>
+                </a:highlight>
+              </a:rPr>
               <a:t>Privacy</a:t>
             </a:r>
           </a:p>
@@ -9096,7 +9104,11 @@
               <a:buChar char="•"/>
             </a:pPr>
             <a:r>
-              <a:rPr lang="en-AU" sz="2800" b="1" dirty="0"/>
+              <a:rPr lang="en-AU" sz="2800" b="1" dirty="0">
+                <a:highlight>
+                  <a:srgbClr val="0000FF"/>
+                </a:highlight>
+              </a:rPr>
               <a:t>Copyrights</a:t>
             </a:r>
           </a:p>
